--- a/assets/arch/Source_Images/ICAM-Components.pptx
+++ b/assets/arch/Source_Images/ICAM-Components.pptx
@@ -244,7 +244,7 @@
           <a:p>
             <a:fld id="{9A034434-2A04-472E-B0DC-1C6A39B2252E}" type="datetimeFigureOut">
               <a:rPr lang="en-US" smtClean="0"/>
-              <a:t>11/6/2020</a:t>
+              <a:t>12/1/21</a:t>
             </a:fld>
             <a:endParaRPr lang="en-US"/>
           </a:p>
@@ -414,7 +414,7 @@
           <a:p>
             <a:fld id="{9A034434-2A04-472E-B0DC-1C6A39B2252E}" type="datetimeFigureOut">
               <a:rPr lang="en-US" smtClean="0"/>
-              <a:t>11/6/2020</a:t>
+              <a:t>12/1/21</a:t>
             </a:fld>
             <a:endParaRPr lang="en-US"/>
           </a:p>
@@ -594,7 +594,7 @@
           <a:p>
             <a:fld id="{9A034434-2A04-472E-B0DC-1C6A39B2252E}" type="datetimeFigureOut">
               <a:rPr lang="en-US" smtClean="0"/>
-              <a:t>11/6/2020</a:t>
+              <a:t>12/1/21</a:t>
             </a:fld>
             <a:endParaRPr lang="en-US"/>
           </a:p>
@@ -764,7 +764,7 @@
           <a:p>
             <a:fld id="{9A034434-2A04-472E-B0DC-1C6A39B2252E}" type="datetimeFigureOut">
               <a:rPr lang="en-US" smtClean="0"/>
-              <a:t>11/6/2020</a:t>
+              <a:t>12/1/21</a:t>
             </a:fld>
             <a:endParaRPr lang="en-US"/>
           </a:p>
@@ -1008,7 +1008,7 @@
           <a:p>
             <a:fld id="{9A034434-2A04-472E-B0DC-1C6A39B2252E}" type="datetimeFigureOut">
               <a:rPr lang="en-US" smtClean="0"/>
-              <a:t>11/6/2020</a:t>
+              <a:t>12/1/21</a:t>
             </a:fld>
             <a:endParaRPr lang="en-US"/>
           </a:p>
@@ -1240,7 +1240,7 @@
           <a:p>
             <a:fld id="{9A034434-2A04-472E-B0DC-1C6A39B2252E}" type="datetimeFigureOut">
               <a:rPr lang="en-US" smtClean="0"/>
-              <a:t>11/6/2020</a:t>
+              <a:t>12/1/21</a:t>
             </a:fld>
             <a:endParaRPr lang="en-US"/>
           </a:p>
@@ -1607,7 +1607,7 @@
           <a:p>
             <a:fld id="{9A034434-2A04-472E-B0DC-1C6A39B2252E}" type="datetimeFigureOut">
               <a:rPr lang="en-US" smtClean="0"/>
-              <a:t>11/6/2020</a:t>
+              <a:t>12/1/21</a:t>
             </a:fld>
             <a:endParaRPr lang="en-US"/>
           </a:p>
@@ -1725,7 +1725,7 @@
           <a:p>
             <a:fld id="{9A034434-2A04-472E-B0DC-1C6A39B2252E}" type="datetimeFigureOut">
               <a:rPr lang="en-US" smtClean="0"/>
-              <a:t>11/6/2020</a:t>
+              <a:t>12/1/21</a:t>
             </a:fld>
             <a:endParaRPr lang="en-US"/>
           </a:p>
@@ -1820,7 +1820,7 @@
           <a:p>
             <a:fld id="{9A034434-2A04-472E-B0DC-1C6A39B2252E}" type="datetimeFigureOut">
               <a:rPr lang="en-US" smtClean="0"/>
-              <a:t>11/6/2020</a:t>
+              <a:t>12/1/21</a:t>
             </a:fld>
             <a:endParaRPr lang="en-US"/>
           </a:p>
@@ -2097,7 +2097,7 @@
           <a:p>
             <a:fld id="{9A034434-2A04-472E-B0DC-1C6A39B2252E}" type="datetimeFigureOut">
               <a:rPr lang="en-US" smtClean="0"/>
-              <a:t>11/6/2020</a:t>
+              <a:t>12/1/21</a:t>
             </a:fld>
             <a:endParaRPr lang="en-US"/>
           </a:p>
@@ -2354,7 +2354,7 @@
           <a:p>
             <a:fld id="{9A034434-2A04-472E-B0DC-1C6A39B2252E}" type="datetimeFigureOut">
               <a:rPr lang="en-US" smtClean="0"/>
-              <a:t>11/6/2020</a:t>
+              <a:t>12/1/21</a:t>
             </a:fld>
             <a:endParaRPr lang="en-US"/>
           </a:p>
@@ -2567,7 +2567,7 @@
           <a:p>
             <a:fld id="{9A034434-2A04-472E-B0DC-1C6A39B2252E}" type="datetimeFigureOut">
               <a:rPr lang="en-US" smtClean="0"/>
-              <a:t>11/6/2020</a:t>
+              <a:t>12/1/21</a:t>
             </a:fld>
             <a:endParaRPr lang="en-US"/>
           </a:p>
@@ -7135,22 +7135,22 @@
       </p:cxnSp>
       <p:cxnSp>
         <p:nvCxnSpPr>
-          <p:cNvPr id="293" name="Straight Arrow Connector 292">
-            <a:extLst>
-              <a:ext uri="{FF2B5EF4-FFF2-40B4-BE49-F238E27FC236}">
-                <a16:creationId xmlns:a16="http://schemas.microsoft.com/office/drawing/2014/main" id="{BA27471D-C0B1-411D-9D48-B3B1AC01F972}"/>
+          <p:cNvPr id="77" name="Straight Arrow Connector 76">
+            <a:extLst>
+              <a:ext uri="{FF2B5EF4-FFF2-40B4-BE49-F238E27FC236}">
+                <a16:creationId xmlns:a16="http://schemas.microsoft.com/office/drawing/2014/main" id="{D95F1219-7E43-0047-B9E4-F593751A24CE}"/>
               </a:ext>
             </a:extLst>
           </p:cNvPr>
           <p:cNvCxnSpPr>
             <a:cxnSpLocks/>
-            <a:stCxn id="246" idx="1"/>
-            <a:endCxn id="21" idx="3"/>
+            <a:stCxn id="21" idx="3"/>
+            <a:endCxn id="246" idx="1"/>
           </p:cNvCxnSpPr>
           <p:nvPr/>
         </p:nvCxnSpPr>
         <p:spPr>
-          <a:xfrm flipH="1">
+          <a:xfrm flipV="1">
             <a:off x="2247941" y="4874132"/>
             <a:ext cx="662301" cy="5055"/>
           </a:xfrm>
@@ -7162,7 +7162,7 @@
               <a:schemeClr val="tx1"/>
             </a:solidFill>
             <a:round/>
-            <a:headEnd type="none" w="sm" len="sm"/>
+            <a:headEnd type="arrow" w="med" len="sm"/>
             <a:tailEnd type="arrow" w="med" len="sm"/>
           </a:ln>
         </p:spPr>
@@ -10399,22 +10399,20 @@
       </p:cxnSp>
       <p:cxnSp>
         <p:nvCxnSpPr>
-          <p:cNvPr id="293" name="Straight Arrow Connector 292">
-            <a:extLst>
-              <a:ext uri="{FF2B5EF4-FFF2-40B4-BE49-F238E27FC236}">
-                <a16:creationId xmlns:a16="http://schemas.microsoft.com/office/drawing/2014/main" id="{BA27471D-C0B1-411D-9D48-B3B1AC01F972}"/>
+          <p:cNvPr id="53" name="Straight Arrow Connector 52">
+            <a:extLst>
+              <a:ext uri="{FF2B5EF4-FFF2-40B4-BE49-F238E27FC236}">
+                <a16:creationId xmlns:a16="http://schemas.microsoft.com/office/drawing/2014/main" id="{62280B2F-7134-0D4C-AAFA-9F654FE81248}"/>
               </a:ext>
             </a:extLst>
           </p:cNvPr>
           <p:cNvCxnSpPr>
             <a:cxnSpLocks/>
-            <a:stCxn id="246" idx="1"/>
-            <a:endCxn id="21" idx="3"/>
           </p:cNvCxnSpPr>
           <p:nvPr/>
         </p:nvCxnSpPr>
         <p:spPr>
-          <a:xfrm flipH="1">
+          <a:xfrm flipV="1">
             <a:off x="2247941" y="4874132"/>
             <a:ext cx="662301" cy="5055"/>
           </a:xfrm>
@@ -10426,7 +10424,7 @@
               <a:schemeClr val="tx1"/>
             </a:solidFill>
             <a:round/>
-            <a:headEnd type="none" w="sm" len="sm"/>
+            <a:headEnd type="arrow" w="med" len="sm"/>
             <a:tailEnd type="arrow" w="med" len="sm"/>
           </a:ln>
         </p:spPr>
